--- a/Introduction_SII_PSI_2023.pptx
+++ b/Introduction_SII_PSI_2023.pptx
@@ -216,7 +216,7 @@
             <a:fld id="{E494A05E-DEA9-4CEA-A63B-3593EEF3AC45}" type="datetimeFigureOut">
               <a:rPr lang="fr-FR" smtClean="0"/>
               <a:pPr/>
-              <a:t>03/09/2023</a:t>
+              <a:t>04/09/2023</a:t>
             </a:fld>
             <a:endParaRPr lang="fr-FR"/>
           </a:p>
@@ -887,7 +887,7 @@
             <a:fld id="{3A961F90-11F6-4966-B0E5-2BB20F714B78}" type="datetime1">
               <a:rPr lang="fr-FR" smtClean="0"/>
               <a:pPr/>
-              <a:t>03/09/2023</a:t>
+              <a:t>04/09/2023</a:t>
             </a:fld>
             <a:endParaRPr lang="fr-FR"/>
           </a:p>
@@ -1248,7 +1248,7 @@
             <a:fld id="{59700BD1-A4B5-444B-B773-B4FDD97DF200}" type="datetime1">
               <a:rPr lang="fr-FR" smtClean="0"/>
               <a:pPr/>
-              <a:t>03/09/2023</a:t>
+              <a:t>04/09/2023</a:t>
             </a:fld>
             <a:endParaRPr lang="fr-FR"/>
           </a:p>
@@ -1425,7 +1425,7 @@
             <a:fld id="{A354AF49-C35E-40F6-8345-CA866716EE79}" type="datetime1">
               <a:rPr lang="fr-FR" smtClean="0"/>
               <a:pPr/>
-              <a:t>03/09/2023</a:t>
+              <a:t>04/09/2023</a:t>
             </a:fld>
             <a:endParaRPr lang="fr-FR"/>
           </a:p>
@@ -1662,7 +1662,7 @@
             <a:fld id="{EAFEF7E1-4A71-4560-AA4D-33BBAAF32357}" type="datetime1">
               <a:rPr lang="fr-FR" smtClean="0"/>
               <a:pPr/>
-              <a:t>03/09/2023</a:t>
+              <a:t>04/09/2023</a:t>
             </a:fld>
             <a:endParaRPr lang="fr-FR"/>
           </a:p>
@@ -1933,7 +1933,7 @@
             <a:fld id="{9BE6CECE-C4BA-493A-9F45-8F69D8200EC9}" type="datetime1">
               <a:rPr lang="fr-FR" smtClean="0"/>
               <a:pPr/>
-              <a:t>03/09/2023</a:t>
+              <a:t>04/09/2023</a:t>
             </a:fld>
             <a:endParaRPr lang="fr-FR"/>
           </a:p>
@@ -2155,7 +2155,7 @@
             <a:fld id="{6B400324-51BB-4021-B482-6C084AB66459}" type="datetime1">
               <a:rPr lang="fr-FR" smtClean="0"/>
               <a:pPr/>
-              <a:t>03/09/2023</a:t>
+              <a:t>04/09/2023</a:t>
             </a:fld>
             <a:endParaRPr lang="fr-FR"/>
           </a:p>
@@ -2509,7 +2509,7 @@
             <a:fld id="{87C4A39B-E1E0-4B19-A965-1E1097FB3AF3}" type="datetime1">
               <a:rPr lang="fr-FR" smtClean="0"/>
               <a:pPr/>
-              <a:t>03/09/2023</a:t>
+              <a:t>04/09/2023</a:t>
             </a:fld>
             <a:endParaRPr lang="fr-FR"/>
           </a:p>
@@ -2743,7 +2743,7 @@
             <a:fld id="{CEF5A761-699F-4B94-BA43-1E8C0C9C554B}" type="datetime1">
               <a:rPr lang="fr-FR" smtClean="0"/>
               <a:pPr/>
-              <a:t>03/09/2023</a:t>
+              <a:t>04/09/2023</a:t>
             </a:fld>
             <a:endParaRPr lang="fr-FR"/>
           </a:p>
@@ -2885,7 +2885,7 @@
             <a:fld id="{E407DE65-0759-4C9C-9804-8C4C0AC5F8D7}" type="datetime1">
               <a:rPr lang="fr-FR" smtClean="0"/>
               <a:pPr/>
-              <a:t>03/09/2023</a:t>
+              <a:t>04/09/2023</a:t>
             </a:fld>
             <a:endParaRPr lang="fr-FR"/>
           </a:p>
@@ -3164,7 +3164,7 @@
             <a:fld id="{6DCAF433-E5EB-4B74-B8BB-3F6D9EEAE800}" type="datetime1">
               <a:rPr lang="fr-FR" smtClean="0"/>
               <a:pPr/>
-              <a:t>03/09/2023</a:t>
+              <a:t>04/09/2023</a:t>
             </a:fld>
             <a:endParaRPr lang="fr-FR"/>
           </a:p>
@@ -3573,7 +3573,7 @@
             <a:fld id="{E5AEAC06-18E9-471A-B77A-CDA5C363BF1F}" type="datetime1">
               <a:rPr lang="fr-FR" smtClean="0"/>
               <a:pPr/>
-              <a:t>03/09/2023</a:t>
+              <a:t>04/09/2023</a:t>
             </a:fld>
             <a:endParaRPr lang="fr-FR"/>
           </a:p>
@@ -3913,7 +3913,7 @@
             <a:fld id="{B9178431-C703-4FD6-9F6F-E8F5512852E2}" type="datetime1">
               <a:rPr lang="fr-FR" smtClean="0"/>
               <a:pPr/>
-              <a:t>03/09/2023</a:t>
+              <a:t>04/09/2023</a:t>
             </a:fld>
             <a:endParaRPr lang="fr-FR"/>
           </a:p>
@@ -4999,8 +4999,8 @@
           </a:p>
         </p:txBody>
       </p:sp>
-      <mc:AlternateContent xmlns:mc="http://schemas.openxmlformats.org/markup-compatibility/2006">
-        <mc:Choice xmlns:a14="http://schemas.microsoft.com/office/drawing/2010/main" Requires="a14">
+      <mc:AlternateContent xmlns:mc="http://schemas.openxmlformats.org/markup-compatibility/2006" xmlns:a14="http://schemas.microsoft.com/office/drawing/2010/main">
+        <mc:Choice Requires="a14">
           <p:sp>
             <p:nvSpPr>
               <p:cNvPr id="4" name="Espace réservé du contenu 3">
@@ -5168,7 +5168,7 @@
             </p:txBody>
           </p:sp>
         </mc:Choice>
-        <mc:Fallback>
+        <mc:Fallback xmlns="">
           <p:sp>
             <p:nvSpPr>
               <p:cNvPr id="4" name="Espace réservé du contenu 3">
@@ -5303,8 +5303,8 @@
           </a:p>
         </p:txBody>
       </p:sp>
-      <mc:AlternateContent xmlns:mc="http://schemas.openxmlformats.org/markup-compatibility/2006">
-        <mc:Choice xmlns:a14="http://schemas.microsoft.com/office/drawing/2010/main" Requires="a14">
+      <mc:AlternateContent xmlns:mc="http://schemas.openxmlformats.org/markup-compatibility/2006" xmlns:a14="http://schemas.microsoft.com/office/drawing/2010/main">
+        <mc:Choice Requires="a14">
           <p:sp>
             <p:nvSpPr>
               <p:cNvPr id="4" name="Espace réservé du contenu 3">
@@ -5455,7 +5455,7 @@
             </p:txBody>
           </p:sp>
         </mc:Choice>
-        <mc:Fallback>
+        <mc:Fallback xmlns="">
           <p:sp>
             <p:nvSpPr>
               <p:cNvPr id="4" name="Espace réservé du contenu 3">
@@ -5558,7 +5558,7 @@
         </p:blipFill>
         <p:spPr>
           <a:xfrm>
-            <a:off x="612648" y="2852936"/>
+            <a:off x="611560" y="2852936"/>
             <a:ext cx="6191600" cy="3485710"/>
           </a:xfrm>
           <a:prstGeom prst="rect">
@@ -6049,8 +6049,8 @@
           </a:p>
         </p:txBody>
       </p:sp>
-      <mc:AlternateContent xmlns:mc="http://schemas.openxmlformats.org/markup-compatibility/2006">
-        <mc:Choice xmlns:a14="http://schemas.microsoft.com/office/drawing/2010/main" Requires="a14">
+      <mc:AlternateContent xmlns:mc="http://schemas.openxmlformats.org/markup-compatibility/2006" xmlns:a14="http://schemas.microsoft.com/office/drawing/2010/main">
+        <mc:Choice Requires="a14">
           <p:sp>
             <p:nvSpPr>
               <p:cNvPr id="20" name="ZoneTexte 19">
@@ -6079,6 +6079,7 @@
               </a:bodyPr>
               <a:lstStyle/>
               <a:p>
+                <a:pPr/>
                 <a14:m>
                   <m:oMathPara xmlns:m="http://schemas.openxmlformats.org/officeDocument/2006/math">
                     <m:oMathParaPr>
@@ -6099,7 +6100,7 @@
             </p:txBody>
           </p:sp>
         </mc:Choice>
-        <mc:Fallback>
+        <mc:Fallback xmlns="">
           <p:sp>
             <p:nvSpPr>
               <p:cNvPr id="20" name="ZoneTexte 19">
@@ -6144,8 +6145,8 @@
           </p:sp>
         </mc:Fallback>
       </mc:AlternateContent>
-      <mc:AlternateContent xmlns:mc="http://schemas.openxmlformats.org/markup-compatibility/2006">
-        <mc:Choice xmlns:a14="http://schemas.microsoft.com/office/drawing/2010/main" Requires="a14">
+      <mc:AlternateContent xmlns:mc="http://schemas.openxmlformats.org/markup-compatibility/2006" xmlns:a14="http://schemas.microsoft.com/office/drawing/2010/main">
+        <mc:Choice Requires="a14">
           <p:sp>
             <p:nvSpPr>
               <p:cNvPr id="21" name="ZoneTexte 20">
@@ -6174,6 +6175,7 @@
               </a:bodyPr>
               <a:lstStyle/>
               <a:p>
+                <a:pPr/>
                 <a14:m>
                   <m:oMathPara xmlns:m="http://schemas.openxmlformats.org/officeDocument/2006/math">
                     <m:oMathParaPr>
@@ -6194,7 +6196,7 @@
             </p:txBody>
           </p:sp>
         </mc:Choice>
-        <mc:Fallback>
+        <mc:Fallback xmlns="">
           <p:sp>
             <p:nvSpPr>
               <p:cNvPr id="21" name="ZoneTexte 20">
@@ -6239,8 +6241,8 @@
           </p:sp>
         </mc:Fallback>
       </mc:AlternateContent>
-      <mc:AlternateContent xmlns:mc="http://schemas.openxmlformats.org/markup-compatibility/2006">
-        <mc:Choice xmlns:a14="http://schemas.microsoft.com/office/drawing/2010/main" Requires="a14">
+      <mc:AlternateContent xmlns:mc="http://schemas.openxmlformats.org/markup-compatibility/2006" xmlns:a14="http://schemas.microsoft.com/office/drawing/2010/main">
+        <mc:Choice Requires="a14">
           <p:sp>
             <p:nvSpPr>
               <p:cNvPr id="22" name="ZoneTexte 21">
@@ -6269,6 +6271,7 @@
               </a:bodyPr>
               <a:lstStyle/>
               <a:p>
+                <a:pPr/>
                 <a14:m>
                   <m:oMathPara xmlns:m="http://schemas.openxmlformats.org/officeDocument/2006/math">
                     <m:oMathParaPr>
@@ -6289,7 +6292,7 @@
             </p:txBody>
           </p:sp>
         </mc:Choice>
-        <mc:Fallback>
+        <mc:Fallback xmlns="">
           <p:sp>
             <p:nvSpPr>
               <p:cNvPr id="22" name="ZoneTexte 21">
@@ -6334,8 +6337,8 @@
           </p:sp>
         </mc:Fallback>
       </mc:AlternateContent>
-      <mc:AlternateContent xmlns:mc="http://schemas.openxmlformats.org/markup-compatibility/2006">
-        <mc:Choice xmlns:a14="http://schemas.microsoft.com/office/drawing/2010/main" Requires="a14">
+      <mc:AlternateContent xmlns:mc="http://schemas.openxmlformats.org/markup-compatibility/2006" xmlns:a14="http://schemas.microsoft.com/office/drawing/2010/main">
+        <mc:Choice Requires="a14">
           <p:sp>
             <p:nvSpPr>
               <p:cNvPr id="23" name="ZoneTexte 22">
@@ -6364,6 +6367,7 @@
               </a:bodyPr>
               <a:lstStyle/>
               <a:p>
+                <a:pPr/>
                 <a14:m>
                   <m:oMathPara xmlns:m="http://schemas.openxmlformats.org/officeDocument/2006/math">
                     <m:oMathParaPr>
@@ -6396,7 +6400,7 @@
             </p:txBody>
           </p:sp>
         </mc:Choice>
-        <mc:Fallback>
+        <mc:Fallback xmlns="">
           <p:sp>
             <p:nvSpPr>
               <p:cNvPr id="23" name="ZoneTexte 22">
@@ -6441,8 +6445,8 @@
           </p:sp>
         </mc:Fallback>
       </mc:AlternateContent>
-      <mc:AlternateContent xmlns:mc="http://schemas.openxmlformats.org/markup-compatibility/2006">
-        <mc:Choice xmlns:a14="http://schemas.microsoft.com/office/drawing/2010/main" Requires="a14">
+      <mc:AlternateContent xmlns:mc="http://schemas.openxmlformats.org/markup-compatibility/2006" xmlns:a14="http://schemas.microsoft.com/office/drawing/2010/main">
+        <mc:Choice Requires="a14">
           <p:sp>
             <p:nvSpPr>
               <p:cNvPr id="24" name="ZoneTexte 23">
@@ -6471,6 +6475,7 @@
               </a:bodyPr>
               <a:lstStyle/>
               <a:p>
+                <a:pPr/>
                 <a14:m>
                   <m:oMathPara xmlns:m="http://schemas.openxmlformats.org/officeDocument/2006/math">
                     <m:oMathParaPr>
@@ -6491,7 +6496,7 @@
             </p:txBody>
           </p:sp>
         </mc:Choice>
-        <mc:Fallback>
+        <mc:Fallback xmlns="">
           <p:sp>
             <p:nvSpPr>
               <p:cNvPr id="24" name="ZoneTexte 23">
@@ -6536,8 +6541,8 @@
           </p:sp>
         </mc:Fallback>
       </mc:AlternateContent>
-      <mc:AlternateContent xmlns:mc="http://schemas.openxmlformats.org/markup-compatibility/2006">
-        <mc:Choice xmlns:a14="http://schemas.microsoft.com/office/drawing/2010/main" Requires="a14">
+      <mc:AlternateContent xmlns:mc="http://schemas.openxmlformats.org/markup-compatibility/2006" xmlns:a14="http://schemas.microsoft.com/office/drawing/2010/main">
+        <mc:Choice Requires="a14">
           <p:sp>
             <p:nvSpPr>
               <p:cNvPr id="25" name="ZoneTexte 24">
@@ -6566,6 +6571,7 @@
               </a:bodyPr>
               <a:lstStyle/>
               <a:p>
+                <a:pPr/>
                 <a14:m>
                   <m:oMathPara xmlns:m="http://schemas.openxmlformats.org/officeDocument/2006/math">
                     <m:oMathParaPr>
@@ -6586,7 +6592,7 @@
             </p:txBody>
           </p:sp>
         </mc:Choice>
-        <mc:Fallback>
+        <mc:Fallback xmlns="">
           <p:sp>
             <p:nvSpPr>
               <p:cNvPr id="25" name="ZoneTexte 24">
@@ -6631,8 +6637,8 @@
           </p:sp>
         </mc:Fallback>
       </mc:AlternateContent>
-      <mc:AlternateContent xmlns:mc="http://schemas.openxmlformats.org/markup-compatibility/2006">
-        <mc:Choice xmlns:a14="http://schemas.microsoft.com/office/drawing/2010/main" Requires="a14">
+      <mc:AlternateContent xmlns:mc="http://schemas.openxmlformats.org/markup-compatibility/2006" xmlns:a14="http://schemas.microsoft.com/office/drawing/2010/main">
+        <mc:Choice Requires="a14">
           <p:sp>
             <p:nvSpPr>
               <p:cNvPr id="26" name="ZoneTexte 25">
@@ -6661,6 +6667,7 @@
               </a:bodyPr>
               <a:lstStyle/>
               <a:p>
+                <a:pPr/>
                 <a14:m>
                   <m:oMathPara xmlns:m="http://schemas.openxmlformats.org/officeDocument/2006/math">
                     <m:oMathParaPr>
@@ -6681,7 +6688,7 @@
             </p:txBody>
           </p:sp>
         </mc:Choice>
-        <mc:Fallback>
+        <mc:Fallback xmlns="">
           <p:sp>
             <p:nvSpPr>
               <p:cNvPr id="26" name="ZoneTexte 25">
